--- a/Tournament_level_model/Presentation/PGA_Tour_golf.pptx
+++ b/Tournament_level_model/Presentation/PGA_Tour_golf.pptx
@@ -7,13 +7,18 @@
   <p:sldIdLst>
     <p:sldId id="256" r:id="rId2"/>
     <p:sldId id="257" r:id="rId3"/>
-    <p:sldId id="258" r:id="rId4"/>
-    <p:sldId id="260" r:id="rId5"/>
-    <p:sldId id="259" r:id="rId6"/>
-    <p:sldId id="261" r:id="rId7"/>
-    <p:sldId id="262" r:id="rId8"/>
-    <p:sldId id="263" r:id="rId9"/>
-    <p:sldId id="264" r:id="rId10"/>
+    <p:sldId id="268" r:id="rId4"/>
+    <p:sldId id="269" r:id="rId5"/>
+    <p:sldId id="267" r:id="rId6"/>
+    <p:sldId id="265" r:id="rId7"/>
+    <p:sldId id="266" r:id="rId8"/>
+    <p:sldId id="258" r:id="rId9"/>
+    <p:sldId id="260" r:id="rId10"/>
+    <p:sldId id="259" r:id="rId11"/>
+    <p:sldId id="261" r:id="rId12"/>
+    <p:sldId id="262" r:id="rId13"/>
+    <p:sldId id="263" r:id="rId14"/>
+    <p:sldId id="264" r:id="rId15"/>
   </p:sldIdLst>
   <p:sldSz cx="9144000" cy="6858000" type="screen4x3"/>
   <p:notesSz cx="6858000" cy="9144000"/>
@@ -3169,6 +3174,557 @@
 </p:sld>
 </file>
 
+<file path=ppt/slides/slide10.xml><?xml version="1.0" encoding="utf-8"?>
+<p:sld xmlns:a="http://schemas.openxmlformats.org/drawingml/2006/main" xmlns:r="http://schemas.openxmlformats.org/officeDocument/2006/relationships" xmlns:p="http://schemas.openxmlformats.org/presentationml/2006/main">
+  <p:cSld>
+    <p:spTree>
+      <p:nvGrpSpPr>
+        <p:cNvPr id="1" name=""/>
+        <p:cNvGrpSpPr/>
+        <p:nvPr/>
+      </p:nvGrpSpPr>
+      <p:grpSpPr>
+        <a:xfrm>
+          <a:off x="0" y="0"/>
+          <a:ext cx="0" cy="0"/>
+          <a:chOff x="0" y="0"/>
+          <a:chExt cx="0" cy="0"/>
+        </a:xfrm>
+      </p:grpSpPr>
+      <p:sp>
+        <p:nvSpPr>
+          <p:cNvPr id="2" name="Title 1"/>
+          <p:cNvSpPr>
+            <a:spLocks noGrp="1"/>
+          </p:cNvSpPr>
+          <p:nvPr>
+            <p:ph type="title"/>
+          </p:nvPr>
+        </p:nvSpPr>
+        <p:spPr/>
+        <p:txBody>
+          <a:bodyPr/>
+          <a:lstStyle/>
+          <a:p>
+            <a:r>
+              <a:rPr lang="en-GB" dirty="0" smtClean="0"/>
+              <a:t>Convergence</a:t>
+            </a:r>
+            <a:endParaRPr lang="en-GB" dirty="0"/>
+          </a:p>
+        </p:txBody>
+      </p:sp>
+      <p:pic>
+        <p:nvPicPr>
+          <p:cNvPr id="2050" name="Picture 2"/>
+          <p:cNvPicPr>
+            <a:picLocks noChangeAspect="1" noChangeArrowheads="1"/>
+          </p:cNvPicPr>
+          <p:nvPr/>
+        </p:nvPicPr>
+        <p:blipFill>
+          <a:blip r:embed="rId2">
+            <a:extLst>
+              <a:ext uri="{28A0092B-C50C-407E-A947-70E740481C1C}">
+                <a14:useLocalDpi xmlns:a14="http://schemas.microsoft.com/office/drawing/2010/main" val="0"/>
+              </a:ext>
+            </a:extLst>
+          </a:blip>
+          <a:srcRect/>
+          <a:stretch>
+            <a:fillRect/>
+          </a:stretch>
+        </p:blipFill>
+        <p:spPr bwMode="auto">
+          <a:xfrm>
+            <a:off x="773997" y="1916832"/>
+            <a:ext cx="6462299" cy="4288254"/>
+          </a:xfrm>
+          <a:prstGeom prst="rect">
+            <a:avLst/>
+          </a:prstGeom>
+          <a:noFill/>
+          <a:ln>
+            <a:noFill/>
+          </a:ln>
+          <a:extLst>
+            <a:ext uri="{909E8E84-426E-40DD-AFC4-6F175D3DCCD1}">
+              <a14:hiddenFill xmlns:a14="http://schemas.microsoft.com/office/drawing/2010/main">
+                <a:solidFill>
+                  <a:schemeClr val="accent1"/>
+                </a:solidFill>
+              </a14:hiddenFill>
+            </a:ext>
+            <a:ext uri="{91240B29-F687-4F45-9708-019B960494DF}">
+              <a14:hiddenLine xmlns:a14="http://schemas.microsoft.com/office/drawing/2010/main" w="9525">
+                <a:solidFill>
+                  <a:schemeClr val="tx1"/>
+                </a:solidFill>
+                <a:miter lim="800000"/>
+                <a:headEnd/>
+                <a:tailEnd/>
+              </a14:hiddenLine>
+            </a:ext>
+          </a:extLst>
+        </p:spPr>
+      </p:pic>
+    </p:spTree>
+    <p:extLst>
+      <p:ext uri="{BB962C8B-B14F-4D97-AF65-F5344CB8AC3E}">
+        <p14:creationId xmlns:p14="http://schemas.microsoft.com/office/powerpoint/2010/main" val="1050643276"/>
+      </p:ext>
+    </p:extLst>
+  </p:cSld>
+  <p:clrMapOvr>
+    <a:masterClrMapping/>
+  </p:clrMapOvr>
+  <p:timing>
+    <p:tnLst>
+      <p:par>
+        <p:cTn id="1" dur="indefinite" restart="never" nodeType="tmRoot"/>
+      </p:par>
+    </p:tnLst>
+  </p:timing>
+</p:sld>
+</file>
+
+<file path=ppt/slides/slide11.xml><?xml version="1.0" encoding="utf-8"?>
+<p:sld xmlns:a="http://schemas.openxmlformats.org/drawingml/2006/main" xmlns:r="http://schemas.openxmlformats.org/officeDocument/2006/relationships" xmlns:p="http://schemas.openxmlformats.org/presentationml/2006/main">
+  <p:cSld>
+    <p:spTree>
+      <p:nvGrpSpPr>
+        <p:cNvPr id="1" name=""/>
+        <p:cNvGrpSpPr/>
+        <p:nvPr/>
+      </p:nvGrpSpPr>
+      <p:grpSpPr>
+        <a:xfrm>
+          <a:off x="0" y="0"/>
+          <a:ext cx="0" cy="0"/>
+          <a:chOff x="0" y="0"/>
+          <a:chExt cx="0" cy="0"/>
+        </a:xfrm>
+      </p:grpSpPr>
+      <p:sp>
+        <p:nvSpPr>
+          <p:cNvPr id="2" name="Title 1"/>
+          <p:cNvSpPr>
+            <a:spLocks noGrp="1"/>
+          </p:cNvSpPr>
+          <p:nvPr>
+            <p:ph type="title"/>
+          </p:nvPr>
+        </p:nvSpPr>
+        <p:spPr/>
+        <p:txBody>
+          <a:bodyPr/>
+          <a:lstStyle/>
+          <a:p>
+            <a:r>
+              <a:rPr lang="en-GB" dirty="0" smtClean="0"/>
+              <a:t>Mean Score Golfer 0 (Normal </a:t>
+            </a:r>
+            <a:r>
+              <a:rPr lang="en-GB" dirty="0" err="1" smtClean="0"/>
+              <a:t>Distr</a:t>
+            </a:r>
+            <a:r>
+              <a:rPr lang="en-GB" dirty="0" smtClean="0"/>
+              <a:t>)</a:t>
+            </a:r>
+            <a:endParaRPr lang="en-GB" dirty="0"/>
+          </a:p>
+        </p:txBody>
+      </p:sp>
+      <p:pic>
+        <p:nvPicPr>
+          <p:cNvPr id="3074" name="Picture 2"/>
+          <p:cNvPicPr>
+            <a:picLocks noChangeAspect="1" noChangeArrowheads="1"/>
+          </p:cNvPicPr>
+          <p:nvPr/>
+        </p:nvPicPr>
+        <p:blipFill>
+          <a:blip r:embed="rId2">
+            <a:extLst>
+              <a:ext uri="{28A0092B-C50C-407E-A947-70E740481C1C}">
+                <a14:useLocalDpi xmlns:a14="http://schemas.microsoft.com/office/drawing/2010/main" val="0"/>
+              </a:ext>
+            </a:extLst>
+          </a:blip>
+          <a:srcRect/>
+          <a:stretch>
+            <a:fillRect/>
+          </a:stretch>
+        </p:blipFill>
+        <p:spPr bwMode="auto">
+          <a:xfrm>
+            <a:off x="827584" y="1844824"/>
+            <a:ext cx="6336704" cy="4197038"/>
+          </a:xfrm>
+          <a:prstGeom prst="rect">
+            <a:avLst/>
+          </a:prstGeom>
+          <a:noFill/>
+          <a:ln>
+            <a:noFill/>
+          </a:ln>
+          <a:extLst>
+            <a:ext uri="{909E8E84-426E-40DD-AFC4-6F175D3DCCD1}">
+              <a14:hiddenFill xmlns:a14="http://schemas.microsoft.com/office/drawing/2010/main">
+                <a:solidFill>
+                  <a:schemeClr val="accent1"/>
+                </a:solidFill>
+              </a14:hiddenFill>
+            </a:ext>
+            <a:ext uri="{91240B29-F687-4F45-9708-019B960494DF}">
+              <a14:hiddenLine xmlns:a14="http://schemas.microsoft.com/office/drawing/2010/main" w="9525">
+                <a:solidFill>
+                  <a:schemeClr val="tx1"/>
+                </a:solidFill>
+                <a:miter lim="800000"/>
+                <a:headEnd/>
+                <a:tailEnd/>
+              </a14:hiddenLine>
+            </a:ext>
+          </a:extLst>
+        </p:spPr>
+      </p:pic>
+    </p:spTree>
+    <p:extLst>
+      <p:ext uri="{BB962C8B-B14F-4D97-AF65-F5344CB8AC3E}">
+        <p14:creationId xmlns:p14="http://schemas.microsoft.com/office/powerpoint/2010/main" val="3310362822"/>
+      </p:ext>
+    </p:extLst>
+  </p:cSld>
+  <p:clrMapOvr>
+    <a:masterClrMapping/>
+  </p:clrMapOvr>
+  <p:timing>
+    <p:tnLst>
+      <p:par>
+        <p:cTn id="1" dur="indefinite" restart="never" nodeType="tmRoot"/>
+      </p:par>
+    </p:tnLst>
+  </p:timing>
+</p:sld>
+</file>
+
+<file path=ppt/slides/slide12.xml><?xml version="1.0" encoding="utf-8"?>
+<p:sld xmlns:a="http://schemas.openxmlformats.org/drawingml/2006/main" xmlns:r="http://schemas.openxmlformats.org/officeDocument/2006/relationships" xmlns:p="http://schemas.openxmlformats.org/presentationml/2006/main">
+  <p:cSld>
+    <p:spTree>
+      <p:nvGrpSpPr>
+        <p:cNvPr id="1" name=""/>
+        <p:cNvGrpSpPr/>
+        <p:nvPr/>
+      </p:nvGrpSpPr>
+      <p:grpSpPr>
+        <a:xfrm>
+          <a:off x="0" y="0"/>
+          <a:ext cx="0" cy="0"/>
+          <a:chOff x="0" y="0"/>
+          <a:chExt cx="0" cy="0"/>
+        </a:xfrm>
+      </p:grpSpPr>
+      <p:sp>
+        <p:nvSpPr>
+          <p:cNvPr id="2" name="Title 1"/>
+          <p:cNvSpPr>
+            <a:spLocks noGrp="1"/>
+          </p:cNvSpPr>
+          <p:nvPr>
+            <p:ph type="title"/>
+          </p:nvPr>
+        </p:nvSpPr>
+        <p:spPr/>
+        <p:txBody>
+          <a:bodyPr/>
+          <a:lstStyle/>
+          <a:p>
+            <a:r>
+              <a:rPr lang="en-GB" dirty="0" smtClean="0"/>
+              <a:t>Rounded Scores (100 samples)</a:t>
+            </a:r>
+            <a:endParaRPr lang="en-GB" dirty="0"/>
+          </a:p>
+        </p:txBody>
+      </p:sp>
+      <p:pic>
+        <p:nvPicPr>
+          <p:cNvPr id="4099" name="Picture 3"/>
+          <p:cNvPicPr>
+            <a:picLocks noChangeAspect="1" noChangeArrowheads="1"/>
+          </p:cNvPicPr>
+          <p:nvPr/>
+        </p:nvPicPr>
+        <p:blipFill>
+          <a:blip r:embed="rId2">
+            <a:extLst>
+              <a:ext uri="{28A0092B-C50C-407E-A947-70E740481C1C}">
+                <a14:useLocalDpi xmlns:a14="http://schemas.microsoft.com/office/drawing/2010/main" val="0"/>
+              </a:ext>
+            </a:extLst>
+          </a:blip>
+          <a:srcRect/>
+          <a:stretch>
+            <a:fillRect/>
+          </a:stretch>
+        </p:blipFill>
+        <p:spPr bwMode="auto">
+          <a:xfrm>
+            <a:off x="899592" y="1324744"/>
+            <a:ext cx="6959058" cy="4752528"/>
+          </a:xfrm>
+          <a:prstGeom prst="rect">
+            <a:avLst/>
+          </a:prstGeom>
+          <a:noFill/>
+          <a:ln>
+            <a:noFill/>
+          </a:ln>
+          <a:extLst>
+            <a:ext uri="{909E8E84-426E-40DD-AFC4-6F175D3DCCD1}">
+              <a14:hiddenFill xmlns:a14="http://schemas.microsoft.com/office/drawing/2010/main">
+                <a:solidFill>
+                  <a:schemeClr val="accent1"/>
+                </a:solidFill>
+              </a14:hiddenFill>
+            </a:ext>
+            <a:ext uri="{91240B29-F687-4F45-9708-019B960494DF}">
+              <a14:hiddenLine xmlns:a14="http://schemas.microsoft.com/office/drawing/2010/main" w="9525">
+                <a:solidFill>
+                  <a:schemeClr val="tx1"/>
+                </a:solidFill>
+                <a:miter lim="800000"/>
+                <a:headEnd/>
+                <a:tailEnd/>
+              </a14:hiddenLine>
+            </a:ext>
+          </a:extLst>
+        </p:spPr>
+      </p:pic>
+    </p:spTree>
+    <p:extLst>
+      <p:ext uri="{BB962C8B-B14F-4D97-AF65-F5344CB8AC3E}">
+        <p14:creationId xmlns:p14="http://schemas.microsoft.com/office/powerpoint/2010/main" val="4023055965"/>
+      </p:ext>
+    </p:extLst>
+  </p:cSld>
+  <p:clrMapOvr>
+    <a:masterClrMapping/>
+  </p:clrMapOvr>
+  <p:timing>
+    <p:tnLst>
+      <p:par>
+        <p:cTn id="1" dur="indefinite" restart="never" nodeType="tmRoot"/>
+      </p:par>
+    </p:tnLst>
+  </p:timing>
+</p:sld>
+</file>
+
+<file path=ppt/slides/slide13.xml><?xml version="1.0" encoding="utf-8"?>
+<p:sld xmlns:a="http://schemas.openxmlformats.org/drawingml/2006/main" xmlns:r="http://schemas.openxmlformats.org/officeDocument/2006/relationships" xmlns:p="http://schemas.openxmlformats.org/presentationml/2006/main">
+  <p:cSld>
+    <p:spTree>
+      <p:nvGrpSpPr>
+        <p:cNvPr id="1" name=""/>
+        <p:cNvGrpSpPr/>
+        <p:nvPr/>
+      </p:nvGrpSpPr>
+      <p:grpSpPr>
+        <a:xfrm>
+          <a:off x="0" y="0"/>
+          <a:ext cx="0" cy="0"/>
+          <a:chOff x="0" y="0"/>
+          <a:chExt cx="0" cy="0"/>
+        </a:xfrm>
+      </p:grpSpPr>
+      <p:sp>
+        <p:nvSpPr>
+          <p:cNvPr id="2" name="Title 1"/>
+          <p:cNvSpPr>
+            <a:spLocks noGrp="1"/>
+          </p:cNvSpPr>
+          <p:nvPr>
+            <p:ph type="title"/>
+          </p:nvPr>
+        </p:nvSpPr>
+        <p:spPr/>
+        <p:txBody>
+          <a:bodyPr/>
+          <a:lstStyle/>
+          <a:p>
+            <a:r>
+              <a:rPr lang="en-GB" dirty="0"/>
+              <a:t>1</a:t>
+            </a:r>
+            <a:r>
+              <a:rPr lang="en-GB" dirty="0" smtClean="0"/>
+              <a:t>000 samples</a:t>
+            </a:r>
+            <a:endParaRPr lang="en-GB" dirty="0"/>
+          </a:p>
+        </p:txBody>
+      </p:sp>
+      <p:pic>
+        <p:nvPicPr>
+          <p:cNvPr id="5122" name="Picture 2"/>
+          <p:cNvPicPr>
+            <a:picLocks noChangeAspect="1" noChangeArrowheads="1"/>
+          </p:cNvPicPr>
+          <p:nvPr/>
+        </p:nvPicPr>
+        <p:blipFill>
+          <a:blip r:embed="rId2">
+            <a:extLst>
+              <a:ext uri="{28A0092B-C50C-407E-A947-70E740481C1C}">
+                <a14:useLocalDpi xmlns:a14="http://schemas.microsoft.com/office/drawing/2010/main" val="0"/>
+              </a:ext>
+            </a:extLst>
+          </a:blip>
+          <a:srcRect/>
+          <a:stretch>
+            <a:fillRect/>
+          </a:stretch>
+        </p:blipFill>
+        <p:spPr bwMode="auto">
+          <a:xfrm>
+            <a:off x="539552" y="1484784"/>
+            <a:ext cx="7025563" cy="4662065"/>
+          </a:xfrm>
+          <a:prstGeom prst="rect">
+            <a:avLst/>
+          </a:prstGeom>
+          <a:noFill/>
+          <a:ln>
+            <a:noFill/>
+          </a:ln>
+          <a:extLst>
+            <a:ext uri="{909E8E84-426E-40DD-AFC4-6F175D3DCCD1}">
+              <a14:hiddenFill xmlns:a14="http://schemas.microsoft.com/office/drawing/2010/main">
+                <a:solidFill>
+                  <a:schemeClr val="accent1"/>
+                </a:solidFill>
+              </a14:hiddenFill>
+            </a:ext>
+            <a:ext uri="{91240B29-F687-4F45-9708-019B960494DF}">
+              <a14:hiddenLine xmlns:a14="http://schemas.microsoft.com/office/drawing/2010/main" w="9525">
+                <a:solidFill>
+                  <a:schemeClr val="tx1"/>
+                </a:solidFill>
+                <a:miter lim="800000"/>
+                <a:headEnd/>
+                <a:tailEnd/>
+              </a14:hiddenLine>
+            </a:ext>
+          </a:extLst>
+        </p:spPr>
+      </p:pic>
+    </p:spTree>
+    <p:extLst>
+      <p:ext uri="{BB962C8B-B14F-4D97-AF65-F5344CB8AC3E}">
+        <p14:creationId xmlns:p14="http://schemas.microsoft.com/office/powerpoint/2010/main" val="3118521455"/>
+      </p:ext>
+    </p:extLst>
+  </p:cSld>
+  <p:clrMapOvr>
+    <a:masterClrMapping/>
+  </p:clrMapOvr>
+  <p:timing>
+    <p:tnLst>
+      <p:par>
+        <p:cTn id="1" dur="indefinite" restart="never" nodeType="tmRoot"/>
+      </p:par>
+    </p:tnLst>
+  </p:timing>
+</p:sld>
+</file>
+
+<file path=ppt/slides/slide14.xml><?xml version="1.0" encoding="utf-8"?>
+<p:sld xmlns:a="http://schemas.openxmlformats.org/drawingml/2006/main" xmlns:r="http://schemas.openxmlformats.org/officeDocument/2006/relationships" xmlns:p="http://schemas.openxmlformats.org/presentationml/2006/main">
+  <p:cSld>
+    <p:spTree>
+      <p:nvGrpSpPr>
+        <p:cNvPr id="1" name=""/>
+        <p:cNvGrpSpPr/>
+        <p:nvPr/>
+      </p:nvGrpSpPr>
+      <p:grpSpPr>
+        <a:xfrm>
+          <a:off x="0" y="0"/>
+          <a:ext cx="0" cy="0"/>
+          <a:chOff x="0" y="0"/>
+          <a:chExt cx="0" cy="0"/>
+        </a:xfrm>
+      </p:grpSpPr>
+      <p:sp>
+        <p:nvSpPr>
+          <p:cNvPr id="2" name="Title 1"/>
+          <p:cNvSpPr>
+            <a:spLocks noGrp="1"/>
+          </p:cNvSpPr>
+          <p:nvPr>
+            <p:ph type="title"/>
+          </p:nvPr>
+        </p:nvSpPr>
+        <p:spPr/>
+        <p:txBody>
+          <a:bodyPr/>
+          <a:lstStyle/>
+          <a:p>
+            <a:r>
+              <a:rPr lang="en-GB" dirty="0" smtClean="0"/>
+              <a:t>Issues</a:t>
+            </a:r>
+            <a:endParaRPr lang="en-GB" dirty="0"/>
+          </a:p>
+        </p:txBody>
+      </p:sp>
+      <p:sp>
+        <p:nvSpPr>
+          <p:cNvPr id="3" name="Content Placeholder 2"/>
+          <p:cNvSpPr>
+            <a:spLocks noGrp="1"/>
+          </p:cNvSpPr>
+          <p:nvPr>
+            <p:ph idx="1"/>
+          </p:nvPr>
+        </p:nvSpPr>
+        <p:spPr/>
+        <p:txBody>
+          <a:bodyPr/>
+          <a:lstStyle/>
+          <a:p>
+            <a:r>
+              <a:rPr lang="en-GB" dirty="0" smtClean="0"/>
+              <a:t>Shrinkage - </a:t>
+            </a:r>
+            <a:endParaRPr lang="en-GB" dirty="0"/>
+          </a:p>
+        </p:txBody>
+      </p:sp>
+    </p:spTree>
+    <p:extLst>
+      <p:ext uri="{BB962C8B-B14F-4D97-AF65-F5344CB8AC3E}">
+        <p14:creationId xmlns:p14="http://schemas.microsoft.com/office/powerpoint/2010/main" val="2363540063"/>
+      </p:ext>
+    </p:extLst>
+  </p:cSld>
+  <p:clrMapOvr>
+    <a:masterClrMapping/>
+  </p:clrMapOvr>
+  <p:timing>
+    <p:tnLst>
+      <p:par>
+        <p:cTn id="1" dur="indefinite" restart="never" nodeType="tmRoot"/>
+      </p:par>
+    </p:tnLst>
+  </p:timing>
+</p:sld>
+</file>
+
 <file path=ppt/slides/slide2.xml><?xml version="1.0" encoding="utf-8"?>
 <p:sld xmlns:a="http://schemas.openxmlformats.org/drawingml/2006/main" xmlns:r="http://schemas.openxmlformats.org/officeDocument/2006/relationships" xmlns:p="http://schemas.openxmlformats.org/presentationml/2006/main">
   <p:cSld>
@@ -3249,6 +3805,683 @@
 </file>
 
 <file path=ppt/slides/slide3.xml><?xml version="1.0" encoding="utf-8"?>
+<p:sld xmlns:a="http://schemas.openxmlformats.org/drawingml/2006/main" xmlns:r="http://schemas.openxmlformats.org/officeDocument/2006/relationships" xmlns:p="http://schemas.openxmlformats.org/presentationml/2006/main">
+  <p:cSld>
+    <p:spTree>
+      <p:nvGrpSpPr>
+        <p:cNvPr id="1" name=""/>
+        <p:cNvGrpSpPr/>
+        <p:nvPr/>
+      </p:nvGrpSpPr>
+      <p:grpSpPr>
+        <a:xfrm>
+          <a:off x="0" y="0"/>
+          <a:ext cx="0" cy="0"/>
+          <a:chOff x="0" y="0"/>
+          <a:chExt cx="0" cy="0"/>
+        </a:xfrm>
+      </p:grpSpPr>
+      <p:sp>
+        <p:nvSpPr>
+          <p:cNvPr id="2" name="Title 1"/>
+          <p:cNvSpPr>
+            <a:spLocks noGrp="1"/>
+          </p:cNvSpPr>
+          <p:nvPr>
+            <p:ph type="title"/>
+          </p:nvPr>
+        </p:nvSpPr>
+        <p:spPr/>
+        <p:txBody>
+          <a:bodyPr/>
+          <a:lstStyle/>
+          <a:p>
+            <a:r>
+              <a:rPr lang="en-GB" dirty="0" smtClean="0"/>
+              <a:t>Exploratory Data Analysis</a:t>
+            </a:r>
+            <a:endParaRPr lang="en-GB" dirty="0"/>
+          </a:p>
+        </p:txBody>
+      </p:sp>
+      <p:sp>
+        <p:nvSpPr>
+          <p:cNvPr id="3" name="Content Placeholder 2"/>
+          <p:cNvSpPr>
+            <a:spLocks noGrp="1"/>
+          </p:cNvSpPr>
+          <p:nvPr>
+            <p:ph idx="1"/>
+          </p:nvPr>
+        </p:nvSpPr>
+        <p:spPr/>
+        <p:txBody>
+          <a:bodyPr/>
+          <a:lstStyle/>
+          <a:p>
+            <a:r>
+              <a:rPr lang="en-GB" dirty="0" smtClean="0"/>
+              <a:t>Put Graph of all Round Scores here</a:t>
+            </a:r>
+            <a:endParaRPr lang="en-GB" dirty="0"/>
+          </a:p>
+        </p:txBody>
+      </p:sp>
+    </p:spTree>
+    <p:extLst>
+      <p:ext uri="{BB962C8B-B14F-4D97-AF65-F5344CB8AC3E}">
+        <p14:creationId xmlns:p14="http://schemas.microsoft.com/office/powerpoint/2010/main" val="1939430783"/>
+      </p:ext>
+    </p:extLst>
+  </p:cSld>
+  <p:clrMapOvr>
+    <a:masterClrMapping/>
+  </p:clrMapOvr>
+  <p:timing>
+    <p:tnLst>
+      <p:par>
+        <p:cTn id="1" dur="indefinite" restart="never" nodeType="tmRoot"/>
+      </p:par>
+    </p:tnLst>
+  </p:timing>
+</p:sld>
+</file>
+
+<file path=ppt/slides/slide4.xml><?xml version="1.0" encoding="utf-8"?>
+<p:sld xmlns:a="http://schemas.openxmlformats.org/drawingml/2006/main" xmlns:r="http://schemas.openxmlformats.org/officeDocument/2006/relationships" xmlns:p="http://schemas.openxmlformats.org/presentationml/2006/main">
+  <p:cSld>
+    <p:spTree>
+      <p:nvGrpSpPr>
+        <p:cNvPr id="1" name=""/>
+        <p:cNvGrpSpPr/>
+        <p:nvPr/>
+      </p:nvGrpSpPr>
+      <p:grpSpPr>
+        <a:xfrm>
+          <a:off x="0" y="0"/>
+          <a:ext cx="0" cy="0"/>
+          <a:chOff x="0" y="0"/>
+          <a:chExt cx="0" cy="0"/>
+        </a:xfrm>
+      </p:grpSpPr>
+      <p:sp>
+        <p:nvSpPr>
+          <p:cNvPr id="2" name="Title 1"/>
+          <p:cNvSpPr>
+            <a:spLocks noGrp="1"/>
+          </p:cNvSpPr>
+          <p:nvPr>
+            <p:ph type="title"/>
+          </p:nvPr>
+        </p:nvSpPr>
+        <p:spPr/>
+        <p:txBody>
+          <a:bodyPr/>
+          <a:lstStyle/>
+          <a:p>
+            <a:r>
+              <a:rPr lang="en-GB" dirty="0" smtClean="0"/>
+              <a:t>EDA: Jon Rahm vs Other Player</a:t>
+            </a:r>
+            <a:endParaRPr lang="en-GB" dirty="0"/>
+          </a:p>
+        </p:txBody>
+      </p:sp>
+      <p:sp>
+        <p:nvSpPr>
+          <p:cNvPr id="3" name="Content Placeholder 2"/>
+          <p:cNvSpPr>
+            <a:spLocks noGrp="1"/>
+          </p:cNvSpPr>
+          <p:nvPr>
+            <p:ph idx="1"/>
+          </p:nvPr>
+        </p:nvSpPr>
+        <p:spPr/>
+        <p:txBody>
+          <a:bodyPr/>
+          <a:lstStyle/>
+          <a:p>
+            <a:endParaRPr lang="en-GB"/>
+          </a:p>
+        </p:txBody>
+      </p:sp>
+    </p:spTree>
+    <p:extLst>
+      <p:ext uri="{BB962C8B-B14F-4D97-AF65-F5344CB8AC3E}">
+        <p14:creationId xmlns:p14="http://schemas.microsoft.com/office/powerpoint/2010/main" val="1006140781"/>
+      </p:ext>
+    </p:extLst>
+  </p:cSld>
+  <p:clrMapOvr>
+    <a:masterClrMapping/>
+  </p:clrMapOvr>
+  <p:timing>
+    <p:tnLst>
+      <p:par>
+        <p:cTn id="1" dur="indefinite" restart="never" nodeType="tmRoot"/>
+      </p:par>
+    </p:tnLst>
+  </p:timing>
+</p:sld>
+</file>
+
+<file path=ppt/slides/slide5.xml><?xml version="1.0" encoding="utf-8"?>
+<p:sld xmlns:a="http://schemas.openxmlformats.org/drawingml/2006/main" xmlns:r="http://schemas.openxmlformats.org/officeDocument/2006/relationships" xmlns:p="http://schemas.openxmlformats.org/presentationml/2006/main">
+  <p:cSld>
+    <p:spTree>
+      <p:nvGrpSpPr>
+        <p:cNvPr id="1" name=""/>
+        <p:cNvGrpSpPr/>
+        <p:nvPr/>
+      </p:nvGrpSpPr>
+      <p:grpSpPr>
+        <a:xfrm>
+          <a:off x="0" y="0"/>
+          <a:ext cx="0" cy="0"/>
+          <a:chOff x="0" y="0"/>
+          <a:chExt cx="0" cy="0"/>
+        </a:xfrm>
+      </p:grpSpPr>
+      <p:sp>
+        <p:nvSpPr>
+          <p:cNvPr id="2" name="Title 1"/>
+          <p:cNvSpPr>
+            <a:spLocks noGrp="1"/>
+          </p:cNvSpPr>
+          <p:nvPr>
+            <p:ph type="title"/>
+          </p:nvPr>
+        </p:nvSpPr>
+        <p:spPr/>
+        <p:txBody>
+          <a:bodyPr/>
+          <a:lstStyle/>
+          <a:p>
+            <a:r>
+              <a:rPr lang="en-GB" dirty="0" smtClean="0"/>
+              <a:t>Model options</a:t>
+            </a:r>
+            <a:endParaRPr lang="en-GB" dirty="0"/>
+          </a:p>
+        </p:txBody>
+      </p:sp>
+      <p:sp>
+        <p:nvSpPr>
+          <p:cNvPr id="3" name="Content Placeholder 2"/>
+          <p:cNvSpPr>
+            <a:spLocks noGrp="1"/>
+          </p:cNvSpPr>
+          <p:nvPr>
+            <p:ph idx="1"/>
+          </p:nvPr>
+        </p:nvSpPr>
+        <p:spPr/>
+        <p:txBody>
+          <a:bodyPr>
+            <a:normAutofit fontScale="92500" lnSpcReduction="20000"/>
+          </a:bodyPr>
+          <a:lstStyle/>
+          <a:p>
+            <a:r>
+              <a:rPr lang="en-GB" sz="2800" dirty="0" smtClean="0"/>
+              <a:t>Pooling of Measurements – 1 alpha and 1 beta for all golfers</a:t>
+            </a:r>
+          </a:p>
+          <a:p>
+            <a:pPr marL="0" indent="0">
+              <a:buNone/>
+            </a:pPr>
+            <a:r>
+              <a:rPr lang="en-GB" dirty="0" smtClean="0"/>
+              <a:t>Golfer Score (</a:t>
+            </a:r>
+            <a:r>
+              <a:rPr lang="en-GB" dirty="0" err="1" smtClean="0"/>
+              <a:t>i,r</a:t>
+            </a:r>
+            <a:r>
+              <a:rPr lang="en-GB" dirty="0" smtClean="0"/>
+              <a:t>) = alpha + Beta(golfer)</a:t>
+            </a:r>
+          </a:p>
+          <a:p>
+            <a:r>
+              <a:rPr lang="en-GB" sz="2800" dirty="0" smtClean="0"/>
+              <a:t>Separate regressions</a:t>
+            </a:r>
+            <a:endParaRPr lang="en-GB" sz="2800" dirty="0"/>
+          </a:p>
+          <a:p>
+            <a:pPr marL="0" indent="0">
+              <a:buFont typeface="Arial" panose="020B0604020202020204" pitchFamily="34" charset="0"/>
+              <a:buNone/>
+            </a:pPr>
+            <a:r>
+              <a:rPr lang="en-GB" sz="2800" dirty="0" smtClean="0"/>
+              <a:t>Golfer Score(</a:t>
+            </a:r>
+            <a:r>
+              <a:rPr lang="en-GB" sz="2800" dirty="0" err="1" smtClean="0"/>
+              <a:t>I,r</a:t>
+            </a:r>
+            <a:r>
+              <a:rPr lang="en-GB" sz="2800" dirty="0" smtClean="0"/>
+              <a:t>) </a:t>
+            </a:r>
+            <a:r>
+              <a:rPr lang="en-GB" sz="2800" dirty="0"/>
+              <a:t>= </a:t>
+            </a:r>
+            <a:r>
+              <a:rPr lang="en-GB" sz="2800" dirty="0" smtClean="0"/>
+              <a:t>alpha(</a:t>
+            </a:r>
+            <a:r>
+              <a:rPr lang="en-GB" sz="2800" dirty="0" err="1" smtClean="0"/>
+              <a:t>i</a:t>
+            </a:r>
+            <a:r>
+              <a:rPr lang="en-GB" sz="2800" dirty="0" smtClean="0"/>
+              <a:t>)+ Beta(</a:t>
+            </a:r>
+            <a:r>
+              <a:rPr lang="en-GB" sz="2800" dirty="0" err="1" smtClean="0"/>
+              <a:t>i</a:t>
+            </a:r>
+            <a:r>
+              <a:rPr lang="en-GB" sz="2800" dirty="0" smtClean="0"/>
+              <a:t>)(golfer)</a:t>
+            </a:r>
+          </a:p>
+          <a:p>
+            <a:r>
+              <a:rPr lang="en-GB" sz="2800" dirty="0" smtClean="0"/>
+              <a:t>Hierarchical regressions</a:t>
+            </a:r>
+          </a:p>
+          <a:p>
+            <a:pPr marL="0" indent="0">
+              <a:buNone/>
+            </a:pPr>
+            <a:r>
+              <a:rPr lang="en-GB" sz="2800" dirty="0" smtClean="0"/>
+              <a:t>Alpha ~ N(mu(alpha),</a:t>
+            </a:r>
+            <a:r>
+              <a:rPr lang="en-GB" sz="2800" dirty="0" err="1" smtClean="0"/>
+              <a:t>sd</a:t>
+            </a:r>
+            <a:r>
+              <a:rPr lang="en-GB" sz="2800" dirty="0" smtClean="0"/>
+              <a:t>(alpha)</a:t>
+            </a:r>
+          </a:p>
+          <a:p>
+            <a:pPr marL="0" indent="0">
+              <a:buNone/>
+            </a:pPr>
+            <a:r>
+              <a:rPr lang="en-GB" sz="2800" dirty="0" smtClean="0"/>
+              <a:t>Beta ~ N(mu(beta), </a:t>
+            </a:r>
+            <a:r>
+              <a:rPr lang="en-GB" sz="2800" dirty="0" err="1" smtClean="0"/>
+              <a:t>sd</a:t>
+            </a:r>
+            <a:r>
+              <a:rPr lang="en-GB" sz="2800" dirty="0" smtClean="0"/>
+              <a:t>(beta))</a:t>
+            </a:r>
+          </a:p>
+          <a:p>
+            <a:pPr marL="0" indent="0">
+              <a:buNone/>
+            </a:pPr>
+            <a:r>
+              <a:rPr lang="en-GB" sz="2800" dirty="0" err="1" smtClean="0"/>
+              <a:t>Cofficients</a:t>
+            </a:r>
+            <a:r>
+              <a:rPr lang="en-GB" sz="2800" dirty="0" smtClean="0"/>
+              <a:t> different for each golfer, but all come from common group distribution</a:t>
+            </a:r>
+          </a:p>
+          <a:p>
+            <a:pPr marL="0" indent="0">
+              <a:buNone/>
+            </a:pPr>
+            <a:r>
+              <a:rPr lang="en-GB" sz="2800" dirty="0" smtClean="0"/>
+              <a:t>Alpha is centred around</a:t>
+            </a:r>
+            <a:endParaRPr lang="en-GB" dirty="0" smtClean="0"/>
+          </a:p>
+          <a:p>
+            <a:endParaRPr lang="en-GB" dirty="0" smtClean="0"/>
+          </a:p>
+          <a:p>
+            <a:pPr marL="0" indent="0">
+              <a:buNone/>
+            </a:pPr>
+            <a:endParaRPr lang="en-GB" dirty="0"/>
+          </a:p>
+          <a:p>
+            <a:pPr marL="0" indent="0">
+              <a:buNone/>
+            </a:pPr>
+            <a:endParaRPr lang="en-GB" dirty="0" smtClean="0"/>
+          </a:p>
+          <a:p>
+            <a:pPr marL="0" indent="0">
+              <a:buNone/>
+            </a:pPr>
+            <a:endParaRPr lang="en-GB" dirty="0"/>
+          </a:p>
+          <a:p>
+            <a:pPr marL="0" indent="0">
+              <a:buNone/>
+            </a:pPr>
+            <a:endParaRPr lang="en-GB" dirty="0"/>
+          </a:p>
+        </p:txBody>
+      </p:sp>
+    </p:spTree>
+    <p:extLst>
+      <p:ext uri="{BB962C8B-B14F-4D97-AF65-F5344CB8AC3E}">
+        <p14:creationId xmlns:p14="http://schemas.microsoft.com/office/powerpoint/2010/main" val="1544147103"/>
+      </p:ext>
+    </p:extLst>
+  </p:cSld>
+  <p:clrMapOvr>
+    <a:masterClrMapping/>
+  </p:clrMapOvr>
+  <p:timing>
+    <p:tnLst>
+      <p:par>
+        <p:cTn id="1" dur="indefinite" restart="never" nodeType="tmRoot"/>
+      </p:par>
+    </p:tnLst>
+  </p:timing>
+</p:sld>
+</file>
+
+<file path=ppt/slides/slide6.xml><?xml version="1.0" encoding="utf-8"?>
+<p:sld xmlns:a="http://schemas.openxmlformats.org/drawingml/2006/main" xmlns:r="http://schemas.openxmlformats.org/officeDocument/2006/relationships" xmlns:p="http://schemas.openxmlformats.org/presentationml/2006/main">
+  <p:cSld>
+    <p:spTree>
+      <p:nvGrpSpPr>
+        <p:cNvPr id="1" name=""/>
+        <p:cNvGrpSpPr/>
+        <p:nvPr/>
+      </p:nvGrpSpPr>
+      <p:grpSpPr>
+        <a:xfrm>
+          <a:off x="0" y="0"/>
+          <a:ext cx="0" cy="0"/>
+          <a:chOff x="0" y="0"/>
+          <a:chExt cx="0" cy="0"/>
+        </a:xfrm>
+      </p:grpSpPr>
+      <p:sp>
+        <p:nvSpPr>
+          <p:cNvPr id="2" name="Title 1"/>
+          <p:cNvSpPr>
+            <a:spLocks noGrp="1"/>
+          </p:cNvSpPr>
+          <p:nvPr>
+            <p:ph type="title"/>
+          </p:nvPr>
+        </p:nvSpPr>
+        <p:spPr/>
+        <p:txBody>
+          <a:bodyPr/>
+          <a:lstStyle/>
+          <a:p>
+            <a:r>
+              <a:rPr lang="en-GB" dirty="0" smtClean="0"/>
+              <a:t>Ordinary Least Squares</a:t>
+            </a:r>
+            <a:endParaRPr lang="en-GB" dirty="0"/>
+          </a:p>
+        </p:txBody>
+      </p:sp>
+      <p:pic>
+        <p:nvPicPr>
+          <p:cNvPr id="1027" name="Picture 3"/>
+          <p:cNvPicPr>
+            <a:picLocks noChangeAspect="1" noChangeArrowheads="1"/>
+          </p:cNvPicPr>
+          <p:nvPr/>
+        </p:nvPicPr>
+        <p:blipFill>
+          <a:blip r:embed="rId2">
+            <a:extLst>
+              <a:ext uri="{28A0092B-C50C-407E-A947-70E740481C1C}">
+                <a14:useLocalDpi xmlns:a14="http://schemas.microsoft.com/office/drawing/2010/main" val="0"/>
+              </a:ext>
+            </a:extLst>
+          </a:blip>
+          <a:srcRect/>
+          <a:stretch>
+            <a:fillRect/>
+          </a:stretch>
+        </p:blipFill>
+        <p:spPr bwMode="auto">
+          <a:xfrm>
+            <a:off x="323528" y="1461623"/>
+            <a:ext cx="7752787" cy="4032448"/>
+          </a:xfrm>
+          <a:prstGeom prst="rect">
+            <a:avLst/>
+          </a:prstGeom>
+          <a:noFill/>
+          <a:ln>
+            <a:noFill/>
+          </a:ln>
+          <a:extLst>
+            <a:ext uri="{909E8E84-426E-40DD-AFC4-6F175D3DCCD1}">
+              <a14:hiddenFill xmlns:a14="http://schemas.microsoft.com/office/drawing/2010/main">
+                <a:solidFill>
+                  <a:schemeClr val="accent1"/>
+                </a:solidFill>
+              </a14:hiddenFill>
+            </a:ext>
+            <a:ext uri="{91240B29-F687-4F45-9708-019B960494DF}">
+              <a14:hiddenLine xmlns:a14="http://schemas.microsoft.com/office/drawing/2010/main" w="9525">
+                <a:solidFill>
+                  <a:schemeClr val="tx1"/>
+                </a:solidFill>
+                <a:miter lim="800000"/>
+                <a:headEnd/>
+                <a:tailEnd/>
+              </a14:hiddenLine>
+            </a:ext>
+          </a:extLst>
+        </p:spPr>
+      </p:pic>
+      <p:sp>
+        <p:nvSpPr>
+          <p:cNvPr id="4" name="TextBox 3"/>
+          <p:cNvSpPr txBox="1"/>
+          <p:nvPr/>
+        </p:nvSpPr>
+        <p:spPr>
+          <a:xfrm>
+            <a:off x="323527" y="6021288"/>
+            <a:ext cx="7752787" cy="646331"/>
+          </a:xfrm>
+          <a:prstGeom prst="rect">
+            <a:avLst/>
+          </a:prstGeom>
+          <a:noFill/>
+        </p:spPr>
+        <p:txBody>
+          <a:bodyPr wrap="square" rtlCol="0">
+            <a:spAutoFit/>
+          </a:bodyPr>
+          <a:lstStyle/>
+          <a:p>
+            <a:pPr marL="285750" indent="-285750">
+              <a:buFont typeface="Arial" panose="020B0604020202020204" pitchFamily="34" charset="0"/>
+              <a:buChar char="•"/>
+            </a:pPr>
+            <a:r>
+              <a:rPr lang="en-GB" dirty="0" smtClean="0"/>
+              <a:t>1 parameter for each golfer</a:t>
+            </a:r>
+          </a:p>
+          <a:p>
+            <a:pPr marL="285750" indent="-285750">
+              <a:buFont typeface="Arial" panose="020B0604020202020204" pitchFamily="34" charset="0"/>
+              <a:buChar char="•"/>
+            </a:pPr>
+            <a:r>
+              <a:rPr lang="en-GB" dirty="0" smtClean="0"/>
+              <a:t>P values all way above 5% due to large number of golfers</a:t>
+            </a:r>
+            <a:endParaRPr lang="en-GB" dirty="0"/>
+          </a:p>
+        </p:txBody>
+      </p:sp>
+    </p:spTree>
+    <p:extLst>
+      <p:ext uri="{BB962C8B-B14F-4D97-AF65-F5344CB8AC3E}">
+        <p14:creationId xmlns:p14="http://schemas.microsoft.com/office/powerpoint/2010/main" val="2768802571"/>
+      </p:ext>
+    </p:extLst>
+  </p:cSld>
+  <p:clrMapOvr>
+    <a:masterClrMapping/>
+  </p:clrMapOvr>
+  <p:timing>
+    <p:tnLst>
+      <p:par>
+        <p:cTn id="1" dur="indefinite" restart="never" nodeType="tmRoot"/>
+      </p:par>
+    </p:tnLst>
+  </p:timing>
+</p:sld>
+</file>
+
+<file path=ppt/slides/slide7.xml><?xml version="1.0" encoding="utf-8"?>
+<p:sld xmlns:a="http://schemas.openxmlformats.org/drawingml/2006/main" xmlns:r="http://schemas.openxmlformats.org/officeDocument/2006/relationships" xmlns:p="http://schemas.openxmlformats.org/presentationml/2006/main">
+  <p:cSld>
+    <p:spTree>
+      <p:nvGrpSpPr>
+        <p:cNvPr id="1" name=""/>
+        <p:cNvGrpSpPr/>
+        <p:nvPr/>
+      </p:nvGrpSpPr>
+      <p:grpSpPr>
+        <a:xfrm>
+          <a:off x="0" y="0"/>
+          <a:ext cx="0" cy="0"/>
+          <a:chOff x="0" y="0"/>
+          <a:chExt cx="0" cy="0"/>
+        </a:xfrm>
+      </p:grpSpPr>
+      <p:sp>
+        <p:nvSpPr>
+          <p:cNvPr id="2" name="Title 1"/>
+          <p:cNvSpPr>
+            <a:spLocks noGrp="1"/>
+          </p:cNvSpPr>
+          <p:nvPr>
+            <p:ph type="title"/>
+          </p:nvPr>
+        </p:nvSpPr>
+        <p:spPr/>
+        <p:txBody>
+          <a:bodyPr/>
+          <a:lstStyle/>
+          <a:p>
+            <a:r>
+              <a:rPr lang="en-GB" dirty="0" smtClean="0"/>
+              <a:t>Hierarchical Regression</a:t>
+            </a:r>
+            <a:endParaRPr lang="en-GB" dirty="0"/>
+          </a:p>
+        </p:txBody>
+      </p:sp>
+      <p:sp>
+        <p:nvSpPr>
+          <p:cNvPr id="3" name="Content Placeholder 2"/>
+          <p:cNvSpPr>
+            <a:spLocks noGrp="1"/>
+          </p:cNvSpPr>
+          <p:nvPr>
+            <p:ph idx="1"/>
+          </p:nvPr>
+        </p:nvSpPr>
+        <p:spPr/>
+        <p:txBody>
+          <a:bodyPr>
+            <a:normAutofit lnSpcReduction="10000"/>
+          </a:bodyPr>
+          <a:lstStyle/>
+          <a:p>
+            <a:r>
+              <a:rPr lang="en-GB" dirty="0" smtClean="0"/>
+              <a:t>Although mean score to par is different for each player – all come from common distribution</a:t>
+            </a:r>
+          </a:p>
+          <a:p>
+            <a:r>
+              <a:rPr lang="en-GB" dirty="0" smtClean="0"/>
+              <a:t>Standard deviation will also be different for each player but again all</a:t>
+            </a:r>
+          </a:p>
+          <a:p>
+            <a:endParaRPr lang="en-GB" dirty="0"/>
+          </a:p>
+          <a:p>
+            <a:r>
+              <a:rPr lang="en-GB" dirty="0">
+                <a:hlinkClick r:id="rId2"/>
+              </a:rPr>
+              <a:t>https://twiecki.io/blog/2014/03/17/bayesian-glms-3</a:t>
+            </a:r>
+            <a:r>
+              <a:rPr lang="en-GB" dirty="0" smtClean="0">
+                <a:hlinkClick r:id="rId2"/>
+              </a:rPr>
+              <a:t>/</a:t>
+            </a:r>
+            <a:endParaRPr lang="en-GB" dirty="0" smtClean="0"/>
+          </a:p>
+          <a:p>
+            <a:r>
+              <a:rPr lang="en-GB" dirty="0" smtClean="0"/>
+              <a:t> </a:t>
+            </a:r>
+          </a:p>
+          <a:p>
+            <a:endParaRPr lang="en-GB" dirty="0"/>
+          </a:p>
+        </p:txBody>
+      </p:sp>
+    </p:spTree>
+    <p:extLst>
+      <p:ext uri="{BB962C8B-B14F-4D97-AF65-F5344CB8AC3E}">
+        <p14:creationId xmlns:p14="http://schemas.microsoft.com/office/powerpoint/2010/main" val="2501799003"/>
+      </p:ext>
+    </p:extLst>
+  </p:cSld>
+  <p:clrMapOvr>
+    <a:masterClrMapping/>
+  </p:clrMapOvr>
+  <p:timing>
+    <p:tnLst>
+      <p:par>
+        <p:cTn id="1" dur="indefinite" restart="never" nodeType="tmRoot"/>
+      </p:par>
+    </p:tnLst>
+  </p:timing>
+</p:sld>
+</file>
+
+<file path=ppt/slides/slide8.xml><?xml version="1.0" encoding="utf-8"?>
 <p:sld xmlns:a="http://schemas.openxmlformats.org/drawingml/2006/main" xmlns:r="http://schemas.openxmlformats.org/officeDocument/2006/relationships" xmlns:p="http://schemas.openxmlformats.org/presentationml/2006/main">
   <p:cSld>
     <p:spTree>
@@ -3362,553 +4595,6 @@
 </p:sld>
 </file>
 
-<file path=ppt/slides/slide4.xml><?xml version="1.0" encoding="utf-8"?>
-<p:sld xmlns:a="http://schemas.openxmlformats.org/drawingml/2006/main" xmlns:r="http://schemas.openxmlformats.org/officeDocument/2006/relationships" xmlns:p="http://schemas.openxmlformats.org/presentationml/2006/main">
-  <p:cSld>
-    <p:spTree>
-      <p:nvGrpSpPr>
-        <p:cNvPr id="1" name=""/>
-        <p:cNvGrpSpPr/>
-        <p:nvPr/>
-      </p:nvGrpSpPr>
-      <p:grpSpPr>
-        <a:xfrm>
-          <a:off x="0" y="0"/>
-          <a:ext cx="0" cy="0"/>
-          <a:chOff x="0" y="0"/>
-          <a:chExt cx="0" cy="0"/>
-        </a:xfrm>
-      </p:grpSpPr>
-      <p:sp>
-        <p:nvSpPr>
-          <p:cNvPr id="2" name="Title 1"/>
-          <p:cNvSpPr>
-            <a:spLocks noGrp="1"/>
-          </p:cNvSpPr>
-          <p:nvPr>
-            <p:ph type="title"/>
-          </p:nvPr>
-        </p:nvSpPr>
-        <p:spPr/>
-        <p:txBody>
-          <a:bodyPr/>
-          <a:lstStyle/>
-          <a:p>
-            <a:r>
-              <a:rPr lang="en-GB" dirty="0" smtClean="0"/>
-              <a:t>MCMC Sampler</a:t>
-            </a:r>
-            <a:endParaRPr lang="en-GB" dirty="0"/>
-          </a:p>
-        </p:txBody>
-      </p:sp>
-      <p:sp>
-        <p:nvSpPr>
-          <p:cNvPr id="3" name="Content Placeholder 2"/>
-          <p:cNvSpPr>
-            <a:spLocks noGrp="1"/>
-          </p:cNvSpPr>
-          <p:nvPr>
-            <p:ph idx="1"/>
-          </p:nvPr>
-        </p:nvSpPr>
-        <p:spPr/>
-        <p:txBody>
-          <a:bodyPr/>
-          <a:lstStyle/>
-          <a:p>
-            <a:endParaRPr lang="en-GB"/>
-          </a:p>
-        </p:txBody>
-      </p:sp>
-    </p:spTree>
-    <p:extLst>
-      <p:ext uri="{BB962C8B-B14F-4D97-AF65-F5344CB8AC3E}">
-        <p14:creationId xmlns:p14="http://schemas.microsoft.com/office/powerpoint/2010/main" val="1072045776"/>
-      </p:ext>
-    </p:extLst>
-  </p:cSld>
-  <p:clrMapOvr>
-    <a:masterClrMapping/>
-  </p:clrMapOvr>
-  <p:timing>
-    <p:tnLst>
-      <p:par>
-        <p:cTn id="1" dur="indefinite" restart="never" nodeType="tmRoot"/>
-      </p:par>
-    </p:tnLst>
-  </p:timing>
-</p:sld>
-</file>
-
-<file path=ppt/slides/slide5.xml><?xml version="1.0" encoding="utf-8"?>
-<p:sld xmlns:a="http://schemas.openxmlformats.org/drawingml/2006/main" xmlns:r="http://schemas.openxmlformats.org/officeDocument/2006/relationships" xmlns:p="http://schemas.openxmlformats.org/presentationml/2006/main">
-  <p:cSld>
-    <p:spTree>
-      <p:nvGrpSpPr>
-        <p:cNvPr id="1" name=""/>
-        <p:cNvGrpSpPr/>
-        <p:nvPr/>
-      </p:nvGrpSpPr>
-      <p:grpSpPr>
-        <a:xfrm>
-          <a:off x="0" y="0"/>
-          <a:ext cx="0" cy="0"/>
-          <a:chOff x="0" y="0"/>
-          <a:chExt cx="0" cy="0"/>
-        </a:xfrm>
-      </p:grpSpPr>
-      <p:sp>
-        <p:nvSpPr>
-          <p:cNvPr id="2" name="Title 1"/>
-          <p:cNvSpPr>
-            <a:spLocks noGrp="1"/>
-          </p:cNvSpPr>
-          <p:nvPr>
-            <p:ph type="title"/>
-          </p:nvPr>
-        </p:nvSpPr>
-        <p:spPr/>
-        <p:txBody>
-          <a:bodyPr/>
-          <a:lstStyle/>
-          <a:p>
-            <a:r>
-              <a:rPr lang="en-GB" dirty="0" smtClean="0"/>
-              <a:t>Convergence</a:t>
-            </a:r>
-            <a:endParaRPr lang="en-GB" dirty="0"/>
-          </a:p>
-        </p:txBody>
-      </p:sp>
-      <p:pic>
-        <p:nvPicPr>
-          <p:cNvPr id="2050" name="Picture 2"/>
-          <p:cNvPicPr>
-            <a:picLocks noChangeAspect="1" noChangeArrowheads="1"/>
-          </p:cNvPicPr>
-          <p:nvPr/>
-        </p:nvPicPr>
-        <p:blipFill>
-          <a:blip r:embed="rId2">
-            <a:extLst>
-              <a:ext uri="{28A0092B-C50C-407E-A947-70E740481C1C}">
-                <a14:useLocalDpi xmlns:a14="http://schemas.microsoft.com/office/drawing/2010/main" val="0"/>
-              </a:ext>
-            </a:extLst>
-          </a:blip>
-          <a:srcRect/>
-          <a:stretch>
-            <a:fillRect/>
-          </a:stretch>
-        </p:blipFill>
-        <p:spPr bwMode="auto">
-          <a:xfrm>
-            <a:off x="773997" y="1916832"/>
-            <a:ext cx="6462299" cy="4288254"/>
-          </a:xfrm>
-          <a:prstGeom prst="rect">
-            <a:avLst/>
-          </a:prstGeom>
-          <a:noFill/>
-          <a:ln>
-            <a:noFill/>
-          </a:ln>
-          <a:extLst>
-            <a:ext uri="{909E8E84-426E-40DD-AFC4-6F175D3DCCD1}">
-              <a14:hiddenFill xmlns:a14="http://schemas.microsoft.com/office/drawing/2010/main">
-                <a:solidFill>
-                  <a:schemeClr val="accent1"/>
-                </a:solidFill>
-              </a14:hiddenFill>
-            </a:ext>
-            <a:ext uri="{91240B29-F687-4F45-9708-019B960494DF}">
-              <a14:hiddenLine xmlns:a14="http://schemas.microsoft.com/office/drawing/2010/main" w="9525">
-                <a:solidFill>
-                  <a:schemeClr val="tx1"/>
-                </a:solidFill>
-                <a:miter lim="800000"/>
-                <a:headEnd/>
-                <a:tailEnd/>
-              </a14:hiddenLine>
-            </a:ext>
-          </a:extLst>
-        </p:spPr>
-      </p:pic>
-    </p:spTree>
-    <p:extLst>
-      <p:ext uri="{BB962C8B-B14F-4D97-AF65-F5344CB8AC3E}">
-        <p14:creationId xmlns:p14="http://schemas.microsoft.com/office/powerpoint/2010/main" val="1050643276"/>
-      </p:ext>
-    </p:extLst>
-  </p:cSld>
-  <p:clrMapOvr>
-    <a:masterClrMapping/>
-  </p:clrMapOvr>
-  <p:timing>
-    <p:tnLst>
-      <p:par>
-        <p:cTn id="1" dur="indefinite" restart="never" nodeType="tmRoot"/>
-      </p:par>
-    </p:tnLst>
-  </p:timing>
-</p:sld>
-</file>
-
-<file path=ppt/slides/slide6.xml><?xml version="1.0" encoding="utf-8"?>
-<p:sld xmlns:a="http://schemas.openxmlformats.org/drawingml/2006/main" xmlns:r="http://schemas.openxmlformats.org/officeDocument/2006/relationships" xmlns:p="http://schemas.openxmlformats.org/presentationml/2006/main">
-  <p:cSld>
-    <p:spTree>
-      <p:nvGrpSpPr>
-        <p:cNvPr id="1" name=""/>
-        <p:cNvGrpSpPr/>
-        <p:nvPr/>
-      </p:nvGrpSpPr>
-      <p:grpSpPr>
-        <a:xfrm>
-          <a:off x="0" y="0"/>
-          <a:ext cx="0" cy="0"/>
-          <a:chOff x="0" y="0"/>
-          <a:chExt cx="0" cy="0"/>
-        </a:xfrm>
-      </p:grpSpPr>
-      <p:sp>
-        <p:nvSpPr>
-          <p:cNvPr id="2" name="Title 1"/>
-          <p:cNvSpPr>
-            <a:spLocks noGrp="1"/>
-          </p:cNvSpPr>
-          <p:nvPr>
-            <p:ph type="title"/>
-          </p:nvPr>
-        </p:nvSpPr>
-        <p:spPr/>
-        <p:txBody>
-          <a:bodyPr/>
-          <a:lstStyle/>
-          <a:p>
-            <a:r>
-              <a:rPr lang="en-GB" dirty="0" smtClean="0"/>
-              <a:t>Mean Score Golfer 0 (Normal </a:t>
-            </a:r>
-            <a:r>
-              <a:rPr lang="en-GB" dirty="0" err="1" smtClean="0"/>
-              <a:t>Distr</a:t>
-            </a:r>
-            <a:r>
-              <a:rPr lang="en-GB" dirty="0" smtClean="0"/>
-              <a:t>)</a:t>
-            </a:r>
-            <a:endParaRPr lang="en-GB" dirty="0"/>
-          </a:p>
-        </p:txBody>
-      </p:sp>
-      <p:pic>
-        <p:nvPicPr>
-          <p:cNvPr id="3074" name="Picture 2"/>
-          <p:cNvPicPr>
-            <a:picLocks noChangeAspect="1" noChangeArrowheads="1"/>
-          </p:cNvPicPr>
-          <p:nvPr/>
-        </p:nvPicPr>
-        <p:blipFill>
-          <a:blip r:embed="rId2">
-            <a:extLst>
-              <a:ext uri="{28A0092B-C50C-407E-A947-70E740481C1C}">
-                <a14:useLocalDpi xmlns:a14="http://schemas.microsoft.com/office/drawing/2010/main" val="0"/>
-              </a:ext>
-            </a:extLst>
-          </a:blip>
-          <a:srcRect/>
-          <a:stretch>
-            <a:fillRect/>
-          </a:stretch>
-        </p:blipFill>
-        <p:spPr bwMode="auto">
-          <a:xfrm>
-            <a:off x="827584" y="1844824"/>
-            <a:ext cx="6336704" cy="4197038"/>
-          </a:xfrm>
-          <a:prstGeom prst="rect">
-            <a:avLst/>
-          </a:prstGeom>
-          <a:noFill/>
-          <a:ln>
-            <a:noFill/>
-          </a:ln>
-          <a:extLst>
-            <a:ext uri="{909E8E84-426E-40DD-AFC4-6F175D3DCCD1}">
-              <a14:hiddenFill xmlns:a14="http://schemas.microsoft.com/office/drawing/2010/main">
-                <a:solidFill>
-                  <a:schemeClr val="accent1"/>
-                </a:solidFill>
-              </a14:hiddenFill>
-            </a:ext>
-            <a:ext uri="{91240B29-F687-4F45-9708-019B960494DF}">
-              <a14:hiddenLine xmlns:a14="http://schemas.microsoft.com/office/drawing/2010/main" w="9525">
-                <a:solidFill>
-                  <a:schemeClr val="tx1"/>
-                </a:solidFill>
-                <a:miter lim="800000"/>
-                <a:headEnd/>
-                <a:tailEnd/>
-              </a14:hiddenLine>
-            </a:ext>
-          </a:extLst>
-        </p:spPr>
-      </p:pic>
-    </p:spTree>
-    <p:extLst>
-      <p:ext uri="{BB962C8B-B14F-4D97-AF65-F5344CB8AC3E}">
-        <p14:creationId xmlns:p14="http://schemas.microsoft.com/office/powerpoint/2010/main" val="3310362822"/>
-      </p:ext>
-    </p:extLst>
-  </p:cSld>
-  <p:clrMapOvr>
-    <a:masterClrMapping/>
-  </p:clrMapOvr>
-  <p:timing>
-    <p:tnLst>
-      <p:par>
-        <p:cTn id="1" dur="indefinite" restart="never" nodeType="tmRoot"/>
-      </p:par>
-    </p:tnLst>
-  </p:timing>
-</p:sld>
-</file>
-
-<file path=ppt/slides/slide7.xml><?xml version="1.0" encoding="utf-8"?>
-<p:sld xmlns:a="http://schemas.openxmlformats.org/drawingml/2006/main" xmlns:r="http://schemas.openxmlformats.org/officeDocument/2006/relationships" xmlns:p="http://schemas.openxmlformats.org/presentationml/2006/main">
-  <p:cSld>
-    <p:spTree>
-      <p:nvGrpSpPr>
-        <p:cNvPr id="1" name=""/>
-        <p:cNvGrpSpPr/>
-        <p:nvPr/>
-      </p:nvGrpSpPr>
-      <p:grpSpPr>
-        <a:xfrm>
-          <a:off x="0" y="0"/>
-          <a:ext cx="0" cy="0"/>
-          <a:chOff x="0" y="0"/>
-          <a:chExt cx="0" cy="0"/>
-        </a:xfrm>
-      </p:grpSpPr>
-      <p:sp>
-        <p:nvSpPr>
-          <p:cNvPr id="2" name="Title 1"/>
-          <p:cNvSpPr>
-            <a:spLocks noGrp="1"/>
-          </p:cNvSpPr>
-          <p:nvPr>
-            <p:ph type="title"/>
-          </p:nvPr>
-        </p:nvSpPr>
-        <p:spPr/>
-        <p:txBody>
-          <a:bodyPr/>
-          <a:lstStyle/>
-          <a:p>
-            <a:r>
-              <a:rPr lang="en-GB" dirty="0" smtClean="0"/>
-              <a:t>Rounded Scores (100 samples)</a:t>
-            </a:r>
-            <a:endParaRPr lang="en-GB" dirty="0"/>
-          </a:p>
-        </p:txBody>
-      </p:sp>
-      <p:pic>
-        <p:nvPicPr>
-          <p:cNvPr id="4099" name="Picture 3"/>
-          <p:cNvPicPr>
-            <a:picLocks noChangeAspect="1" noChangeArrowheads="1"/>
-          </p:cNvPicPr>
-          <p:nvPr/>
-        </p:nvPicPr>
-        <p:blipFill>
-          <a:blip r:embed="rId2">
-            <a:extLst>
-              <a:ext uri="{28A0092B-C50C-407E-A947-70E740481C1C}">
-                <a14:useLocalDpi xmlns:a14="http://schemas.microsoft.com/office/drawing/2010/main" val="0"/>
-              </a:ext>
-            </a:extLst>
-          </a:blip>
-          <a:srcRect/>
-          <a:stretch>
-            <a:fillRect/>
-          </a:stretch>
-        </p:blipFill>
-        <p:spPr bwMode="auto">
-          <a:xfrm>
-            <a:off x="899592" y="1324744"/>
-            <a:ext cx="6959058" cy="4752528"/>
-          </a:xfrm>
-          <a:prstGeom prst="rect">
-            <a:avLst/>
-          </a:prstGeom>
-          <a:noFill/>
-          <a:ln>
-            <a:noFill/>
-          </a:ln>
-          <a:extLst>
-            <a:ext uri="{909E8E84-426E-40DD-AFC4-6F175D3DCCD1}">
-              <a14:hiddenFill xmlns:a14="http://schemas.microsoft.com/office/drawing/2010/main">
-                <a:solidFill>
-                  <a:schemeClr val="accent1"/>
-                </a:solidFill>
-              </a14:hiddenFill>
-            </a:ext>
-            <a:ext uri="{91240B29-F687-4F45-9708-019B960494DF}">
-              <a14:hiddenLine xmlns:a14="http://schemas.microsoft.com/office/drawing/2010/main" w="9525">
-                <a:solidFill>
-                  <a:schemeClr val="tx1"/>
-                </a:solidFill>
-                <a:miter lim="800000"/>
-                <a:headEnd/>
-                <a:tailEnd/>
-              </a14:hiddenLine>
-            </a:ext>
-          </a:extLst>
-        </p:spPr>
-      </p:pic>
-    </p:spTree>
-    <p:extLst>
-      <p:ext uri="{BB962C8B-B14F-4D97-AF65-F5344CB8AC3E}">
-        <p14:creationId xmlns:p14="http://schemas.microsoft.com/office/powerpoint/2010/main" val="4023055965"/>
-      </p:ext>
-    </p:extLst>
-  </p:cSld>
-  <p:clrMapOvr>
-    <a:masterClrMapping/>
-  </p:clrMapOvr>
-  <p:timing>
-    <p:tnLst>
-      <p:par>
-        <p:cTn id="1" dur="indefinite" restart="never" nodeType="tmRoot"/>
-      </p:par>
-    </p:tnLst>
-  </p:timing>
-</p:sld>
-</file>
-
-<file path=ppt/slides/slide8.xml><?xml version="1.0" encoding="utf-8"?>
-<p:sld xmlns:a="http://schemas.openxmlformats.org/drawingml/2006/main" xmlns:r="http://schemas.openxmlformats.org/officeDocument/2006/relationships" xmlns:p="http://schemas.openxmlformats.org/presentationml/2006/main">
-  <p:cSld>
-    <p:spTree>
-      <p:nvGrpSpPr>
-        <p:cNvPr id="1" name=""/>
-        <p:cNvGrpSpPr/>
-        <p:nvPr/>
-      </p:nvGrpSpPr>
-      <p:grpSpPr>
-        <a:xfrm>
-          <a:off x="0" y="0"/>
-          <a:ext cx="0" cy="0"/>
-          <a:chOff x="0" y="0"/>
-          <a:chExt cx="0" cy="0"/>
-        </a:xfrm>
-      </p:grpSpPr>
-      <p:sp>
-        <p:nvSpPr>
-          <p:cNvPr id="2" name="Title 1"/>
-          <p:cNvSpPr>
-            <a:spLocks noGrp="1"/>
-          </p:cNvSpPr>
-          <p:nvPr>
-            <p:ph type="title"/>
-          </p:nvPr>
-        </p:nvSpPr>
-        <p:spPr/>
-        <p:txBody>
-          <a:bodyPr/>
-          <a:lstStyle/>
-          <a:p>
-            <a:r>
-              <a:rPr lang="en-GB" dirty="0"/>
-              <a:t>1</a:t>
-            </a:r>
-            <a:r>
-              <a:rPr lang="en-GB" dirty="0" smtClean="0"/>
-              <a:t>000 samples</a:t>
-            </a:r>
-            <a:endParaRPr lang="en-GB" dirty="0"/>
-          </a:p>
-        </p:txBody>
-      </p:sp>
-      <p:pic>
-        <p:nvPicPr>
-          <p:cNvPr id="5122" name="Picture 2"/>
-          <p:cNvPicPr>
-            <a:picLocks noChangeAspect="1" noChangeArrowheads="1"/>
-          </p:cNvPicPr>
-          <p:nvPr/>
-        </p:nvPicPr>
-        <p:blipFill>
-          <a:blip r:embed="rId2">
-            <a:extLst>
-              <a:ext uri="{28A0092B-C50C-407E-A947-70E740481C1C}">
-                <a14:useLocalDpi xmlns:a14="http://schemas.microsoft.com/office/drawing/2010/main" val="0"/>
-              </a:ext>
-            </a:extLst>
-          </a:blip>
-          <a:srcRect/>
-          <a:stretch>
-            <a:fillRect/>
-          </a:stretch>
-        </p:blipFill>
-        <p:spPr bwMode="auto">
-          <a:xfrm>
-            <a:off x="539552" y="1484784"/>
-            <a:ext cx="7025563" cy="4662065"/>
-          </a:xfrm>
-          <a:prstGeom prst="rect">
-            <a:avLst/>
-          </a:prstGeom>
-          <a:noFill/>
-          <a:ln>
-            <a:noFill/>
-          </a:ln>
-          <a:extLst>
-            <a:ext uri="{909E8E84-426E-40DD-AFC4-6F175D3DCCD1}">
-              <a14:hiddenFill xmlns:a14="http://schemas.microsoft.com/office/drawing/2010/main">
-                <a:solidFill>
-                  <a:schemeClr val="accent1"/>
-                </a:solidFill>
-              </a14:hiddenFill>
-            </a:ext>
-            <a:ext uri="{91240B29-F687-4F45-9708-019B960494DF}">
-              <a14:hiddenLine xmlns:a14="http://schemas.microsoft.com/office/drawing/2010/main" w="9525">
-                <a:solidFill>
-                  <a:schemeClr val="tx1"/>
-                </a:solidFill>
-                <a:miter lim="800000"/>
-                <a:headEnd/>
-                <a:tailEnd/>
-              </a14:hiddenLine>
-            </a:ext>
-          </a:extLst>
-        </p:spPr>
-      </p:pic>
-    </p:spTree>
-    <p:extLst>
-      <p:ext uri="{BB962C8B-B14F-4D97-AF65-F5344CB8AC3E}">
-        <p14:creationId xmlns:p14="http://schemas.microsoft.com/office/powerpoint/2010/main" val="3118521455"/>
-      </p:ext>
-    </p:extLst>
-  </p:cSld>
-  <p:clrMapOvr>
-    <a:masterClrMapping/>
-  </p:clrMapOvr>
-  <p:timing>
-    <p:tnLst>
-      <p:par>
-        <p:cTn id="1" dur="indefinite" restart="never" nodeType="tmRoot"/>
-      </p:par>
-    </p:tnLst>
-  </p:timing>
-</p:sld>
-</file>
-
 <file path=ppt/slides/slide9.xml><?xml version="1.0" encoding="utf-8"?>
 <p:sld xmlns:a="http://schemas.openxmlformats.org/drawingml/2006/main" xmlns:r="http://schemas.openxmlformats.org/officeDocument/2006/relationships" xmlns:p="http://schemas.openxmlformats.org/presentationml/2006/main">
   <p:cSld>
@@ -3941,7 +4627,11 @@
           <a:bodyPr/>
           <a:lstStyle/>
           <a:p>
-            <a:endParaRPr lang="en-GB"/>
+            <a:r>
+              <a:rPr lang="en-GB" dirty="0" smtClean="0"/>
+              <a:t>MCMC Sampler</a:t>
+            </a:r>
+            <a:endParaRPr lang="en-GB" dirty="0"/>
           </a:p>
         </p:txBody>
       </p:sp>
@@ -3967,7 +4657,7 @@
     </p:spTree>
     <p:extLst>
       <p:ext uri="{BB962C8B-B14F-4D97-AF65-F5344CB8AC3E}">
-        <p14:creationId xmlns:p14="http://schemas.microsoft.com/office/powerpoint/2010/main" val="2363540063"/>
+        <p14:creationId xmlns:p14="http://schemas.microsoft.com/office/powerpoint/2010/main" val="1072045776"/>
       </p:ext>
     </p:extLst>
   </p:cSld>
